--- a/9. Docs/10. Others/프로젝트개요_seolt.pptx
+++ b/9. Docs/10. Others/프로젝트개요_seolt.pptx
@@ -10,6 +10,7 @@
     <p:sldId id="287" r:id="rId4"/>
     <p:sldId id="289" r:id="rId5"/>
     <p:sldId id="290" r:id="rId6"/>
+    <p:sldId id="292" r:id="rId7"/>
   </p:sldIdLst>
   <p:sldSz cx="12192000" cy="6858000"/>
   <p:notesSz cx="6858000" cy="9144000"/>
@@ -8515,7 +8516,653 @@
         <p:fade/>
       </p:transition>
     </mc:Choice>
-    <mc:Fallback xmlns:dsp="http://schemas.microsoft.com/office/drawing/2008/diagram" xmlns:dgm="http://schemas.openxmlformats.org/drawingml/2006/diagram" xmlns:c="http://schemas.openxmlformats.org/drawingml/2006/chart" xmlns="">
+    <mc:Fallback xmlns="" xmlns:c="http://schemas.openxmlformats.org/drawingml/2006/chart" xmlns:dgm="http://schemas.openxmlformats.org/drawingml/2006/diagram" xmlns:dsp="http://schemas.microsoft.com/office/drawing/2008/diagram">
+      <p:transition xmlns:mc="http://schemas.openxmlformats.org/markup-compatibility/2006" xmlns:hp="http://schemas.haansoft.com/office/presentation/8.0" mc:Ignorable="hp" hp:hslDur="700">
+        <p:fade/>
+      </p:transition>
+    </mc:Fallback>
+  </mc:AlternateContent>
+</p:sld>
+</file>
+
+<file path=ppt/slides/slide6.xml><?xml version="1.0" encoding="utf-8"?>
+<p:sld xmlns:a="http://schemas.openxmlformats.org/drawingml/2006/main" xmlns:r="http://schemas.openxmlformats.org/officeDocument/2006/relationships" xmlns:p="http://schemas.openxmlformats.org/presentationml/2006/main">
+  <p:cSld>
+    <p:spTree>
+      <p:nvGrpSpPr>
+        <p:cNvPr id="1" name=""/>
+        <p:cNvGrpSpPr/>
+        <p:nvPr/>
+      </p:nvGrpSpPr>
+      <p:grpSpPr>
+        <a:xfrm>
+          <a:off x="0" y="0"/>
+          <a:ext cx="0" cy="0"/>
+          <a:chOff x="0" y="0"/>
+          <a:chExt cx="0" cy="0"/>
+        </a:xfrm>
+      </p:grpSpPr>
+      <p:sp>
+        <p:nvSpPr>
+          <p:cNvPr id="4" name="직각 삼각형 3"/>
+          <p:cNvSpPr/>
+          <p:nvPr/>
+        </p:nvSpPr>
+        <p:spPr>
+          <a:xfrm>
+            <a:off x="0" y="0"/>
+            <a:ext cx="769434" cy="769434"/>
+          </a:xfrm>
+          <a:prstGeom prst="rtTriangle">
+            <a:avLst/>
+          </a:prstGeom>
+          <a:ln>
+            <a:noFill/>
+          </a:ln>
+        </p:spPr>
+        <p:style>
+          <a:lnRef idx="2">
+            <a:schemeClr val="accent1">
+              <a:shade val="50000"/>
+            </a:schemeClr>
+          </a:lnRef>
+          <a:fillRef idx="1">
+            <a:schemeClr val="accent1"/>
+          </a:fillRef>
+          <a:effectRef idx="0">
+            <a:schemeClr val="accent1"/>
+          </a:effectRef>
+          <a:fontRef idx="minor">
+            <a:schemeClr val="lt1"/>
+          </a:fontRef>
+        </p:style>
+        <p:txBody>
+          <a:bodyPr anchor="ctr"/>
+          <a:lstStyle/>
+          <a:p>
+            <a:pPr algn="ctr">
+              <a:defRPr/>
+            </a:pPr>
+            <a:endParaRPr lang="ko-KR" altLang="en-US" sz="1200"/>
+          </a:p>
+        </p:txBody>
+      </p:sp>
+      <p:sp>
+        <p:nvSpPr>
+          <p:cNvPr id="5" name="직각 삼각형 4"/>
+          <p:cNvSpPr/>
+          <p:nvPr/>
+        </p:nvSpPr>
+        <p:spPr>
+          <a:xfrm rot="5400000">
+            <a:off x="152400" y="152400"/>
+            <a:ext cx="769434" cy="769434"/>
+          </a:xfrm>
+          <a:prstGeom prst="rtTriangle">
+            <a:avLst/>
+          </a:prstGeom>
+          <a:solidFill>
+            <a:schemeClr val="accent4"/>
+          </a:solidFill>
+          <a:ln>
+            <a:noFill/>
+          </a:ln>
+        </p:spPr>
+        <p:style>
+          <a:lnRef idx="2">
+            <a:schemeClr val="accent1">
+              <a:shade val="50000"/>
+            </a:schemeClr>
+          </a:lnRef>
+          <a:fillRef idx="1">
+            <a:schemeClr val="accent1"/>
+          </a:fillRef>
+          <a:effectRef idx="0">
+            <a:schemeClr val="accent1"/>
+          </a:effectRef>
+          <a:fontRef idx="minor">
+            <a:schemeClr val="lt1"/>
+          </a:fontRef>
+        </p:style>
+        <p:txBody>
+          <a:bodyPr anchor="ctr"/>
+          <a:lstStyle/>
+          <a:p>
+            <a:pPr algn="ctr">
+              <a:defRPr/>
+            </a:pPr>
+            <a:endParaRPr lang="ko-KR" altLang="en-US" sz="1200"/>
+          </a:p>
+        </p:txBody>
+      </p:sp>
+      <p:sp>
+        <p:nvSpPr>
+          <p:cNvPr id="6" name="TextBox 5"/>
+          <p:cNvSpPr txBox="1"/>
+          <p:nvPr/>
+        </p:nvSpPr>
+        <p:spPr>
+          <a:xfrm>
+            <a:off x="152400" y="167785"/>
+            <a:ext cx="596265" cy="276999"/>
+          </a:xfrm>
+          <a:prstGeom prst="rect">
+            <a:avLst/>
+          </a:prstGeom>
+          <a:noFill/>
+        </p:spPr>
+        <p:txBody>
+          <a:bodyPr wrap="none">
+            <a:spAutoFit/>
+          </a:bodyPr>
+          <a:lstStyle/>
+          <a:p>
+            <a:pPr lvl="0">
+              <a:defRPr/>
+            </a:pPr>
+            <a:r>
+              <a:rPr lang="en-US" altLang="ko-KR" sz="1200"/>
+              <a:t>Part 1</a:t>
+            </a:r>
+            <a:endParaRPr lang="ko-KR" altLang="en-US" sz="1200"/>
+          </a:p>
+        </p:txBody>
+      </p:sp>
+      <p:sp>
+        <p:nvSpPr>
+          <p:cNvPr id="7" name="TextBox 6"/>
+          <p:cNvSpPr txBox="1"/>
+          <p:nvPr/>
+        </p:nvSpPr>
+        <p:spPr>
+          <a:xfrm>
+            <a:off x="1040781" y="121618"/>
+            <a:ext cx="5609228" cy="646331"/>
+          </a:xfrm>
+          <a:prstGeom prst="rect">
+            <a:avLst/>
+          </a:prstGeom>
+          <a:noFill/>
+        </p:spPr>
+        <p:txBody>
+          <a:bodyPr wrap="none">
+            <a:spAutoFit/>
+          </a:bodyPr>
+          <a:lstStyle/>
+          <a:p>
+            <a:pPr lvl="0">
+              <a:defRPr/>
+            </a:pPr>
+            <a:r>
+              <a:rPr lang="ko-KR" altLang="en-US" sz="3600" b="0" spc="-300" dirty="0">
+                <a:latin typeface="돋움"/>
+                <a:ea typeface="돋움"/>
+              </a:rPr>
+              <a:t>게임사들이 많이 쓰는 </a:t>
+            </a:r>
+            <a:r>
+              <a:rPr lang="ko-KR" altLang="en-US" sz="3600" b="0" spc="-300" dirty="0" err="1">
+                <a:latin typeface="돋움"/>
+                <a:ea typeface="돋움"/>
+              </a:rPr>
+              <a:t>데누보</a:t>
+            </a:r>
+            <a:endParaRPr lang="ko-KR" altLang="en-US" sz="3600" b="0" spc="-300" dirty="0">
+              <a:latin typeface="돋움"/>
+              <a:ea typeface="돋움"/>
+            </a:endParaRPr>
+          </a:p>
+        </p:txBody>
+      </p:sp>
+      <p:sp>
+        <p:nvSpPr>
+          <p:cNvPr id="2" name="TextBox 1">
+            <a:extLst>
+              <a:ext uri="{FF2B5EF4-FFF2-40B4-BE49-F238E27FC236}">
+                <a16:creationId xmlns:a16="http://schemas.microsoft.com/office/drawing/2014/main" id="{6639B964-7E9D-43B5-B67C-58A1FCD39E22}"/>
+              </a:ext>
+            </a:extLst>
+          </p:cNvPr>
+          <p:cNvSpPr txBox="1"/>
+          <p:nvPr/>
+        </p:nvSpPr>
+        <p:spPr>
+          <a:xfrm>
+            <a:off x="537117" y="2623312"/>
+            <a:ext cx="5418666" cy="1754326"/>
+          </a:xfrm>
+          <a:prstGeom prst="rect">
+            <a:avLst/>
+          </a:prstGeom>
+          <a:noFill/>
+        </p:spPr>
+        <p:txBody>
+          <a:bodyPr wrap="square" rtlCol="0">
+            <a:spAutoFit/>
+          </a:bodyPr>
+          <a:lstStyle/>
+          <a:p>
+            <a:r>
+              <a:rPr lang="ko-KR" altLang="en-US" dirty="0"/>
+              <a:t>게임을 리버스 엔지니어링으로부터 보호하는 방법으로 사용하는 것이 </a:t>
+            </a:r>
+            <a:r>
+              <a:rPr lang="ko-KR" altLang="en-US" dirty="0" err="1"/>
+              <a:t>데누보이다</a:t>
+            </a:r>
+            <a:endParaRPr lang="en-US" altLang="ko-KR" dirty="0"/>
+          </a:p>
+          <a:p>
+            <a:r>
+              <a:rPr lang="ko-KR" altLang="en-US" dirty="0"/>
+              <a:t>하지만 </a:t>
+            </a:r>
+            <a:r>
+              <a:rPr lang="ko-KR" altLang="en-US" dirty="0" err="1"/>
+              <a:t>인디</a:t>
+            </a:r>
+            <a:r>
+              <a:rPr lang="ko-KR" altLang="en-US" dirty="0"/>
+              <a:t> 게임은 혼자서 만드는 게임임으로 </a:t>
+            </a:r>
+            <a:r>
+              <a:rPr lang="ko-KR" altLang="en-US" dirty="0" err="1"/>
+              <a:t>데누보의</a:t>
+            </a:r>
+            <a:r>
+              <a:rPr lang="ko-KR" altLang="en-US" dirty="0"/>
+              <a:t> 가격이 많이 부담스럽다</a:t>
+            </a:r>
+            <a:endParaRPr lang="en-US" altLang="ko-KR" dirty="0"/>
+          </a:p>
+          <a:p>
+            <a:r>
+              <a:rPr lang="ko-KR" altLang="en-US" dirty="0"/>
+              <a:t>최근 유명한 </a:t>
+            </a:r>
+            <a:r>
+              <a:rPr lang="en-US" altLang="ko-KR" dirty="0"/>
+              <a:t>AAA </a:t>
+            </a:r>
+            <a:r>
+              <a:rPr lang="ko-KR" altLang="en-US" dirty="0"/>
+              <a:t>타이틀을 제공하는 회사 또한 높은 가격으로 </a:t>
+            </a:r>
+            <a:r>
+              <a:rPr lang="ko-KR" altLang="en-US" dirty="0" err="1"/>
+              <a:t>데누보</a:t>
+            </a:r>
+            <a:r>
+              <a:rPr lang="ko-KR" altLang="en-US" dirty="0"/>
+              <a:t> 서비스를 제외하고 있다</a:t>
+            </a:r>
+            <a:r>
+              <a:rPr lang="en-US" altLang="ko-KR" dirty="0"/>
+              <a:t>.</a:t>
+            </a:r>
+            <a:endParaRPr lang="ko-KR" altLang="en-US" dirty="0"/>
+          </a:p>
+        </p:txBody>
+      </p:sp>
+      <p:graphicFrame>
+        <p:nvGraphicFramePr>
+          <p:cNvPr id="3" name="표 8">
+            <a:extLst>
+              <a:ext uri="{FF2B5EF4-FFF2-40B4-BE49-F238E27FC236}">
+                <a16:creationId xmlns:a16="http://schemas.microsoft.com/office/drawing/2014/main" id="{7BD2D07A-98C5-4A4E-AB36-CD00CE02C1C2}"/>
+              </a:ext>
+            </a:extLst>
+          </p:cNvPr>
+          <p:cNvGraphicFramePr>
+            <a:graphicFrameLocks noGrp="1"/>
+          </p:cNvGraphicFramePr>
+          <p:nvPr>
+            <p:extLst>
+              <p:ext uri="{D42A27DB-BD31-4B8C-83A1-F6EECF244321}">
+                <p14:modId xmlns:p14="http://schemas.microsoft.com/office/powerpoint/2010/main" val="1550196950"/>
+              </p:ext>
+            </p:extLst>
+          </p:nvPr>
+        </p:nvGraphicFramePr>
+        <p:xfrm>
+          <a:off x="6501383" y="2623312"/>
+          <a:ext cx="5028748" cy="1828800"/>
+        </p:xfrm>
+        <a:graphic>
+          <a:graphicData uri="http://schemas.openxmlformats.org/drawingml/2006/table">
+            <a:tbl>
+              <a:tblPr firstRow="1" bandRow="1">
+                <a:tableStyleId>{D7AC3CCA-C797-4891-BE02-D94E43425B78}</a:tableStyleId>
+              </a:tblPr>
+              <a:tblGrid>
+                <a:gridCol w="2514374">
+                  <a:extLst>
+                    <a:ext uri="{9D8B030D-6E8A-4147-A177-3AD203B41FA5}">
+                      <a16:colId xmlns:a16="http://schemas.microsoft.com/office/drawing/2014/main" val="4189988375"/>
+                    </a:ext>
+                  </a:extLst>
+                </a:gridCol>
+                <a:gridCol w="2514374">
+                  <a:extLst>
+                    <a:ext uri="{9D8B030D-6E8A-4147-A177-3AD203B41FA5}">
+                      <a16:colId xmlns:a16="http://schemas.microsoft.com/office/drawing/2014/main" val="619583790"/>
+                    </a:ext>
+                  </a:extLst>
+                </a:gridCol>
+              </a:tblGrid>
+              <a:tr h="358324">
+                <a:tc>
+                  <a:txBody>
+                    <a:bodyPr/>
+                    <a:lstStyle/>
+                    <a:p>
+                      <a:pPr latinLnBrk="1"/>
+                      <a:r>
+                        <a:rPr lang="ko-KR" altLang="en-US" dirty="0"/>
+                        <a:t>타이틀</a:t>
+                      </a:r>
+                    </a:p>
+                  </a:txBody>
+                  <a:tcPr/>
+                </a:tc>
+                <a:tc>
+                  <a:txBody>
+                    <a:bodyPr/>
+                    <a:lstStyle/>
+                    <a:p>
+                      <a:pPr latinLnBrk="1"/>
+                      <a:r>
+                        <a:rPr lang="ko-KR" altLang="en-US" dirty="0"/>
+                        <a:t>가격</a:t>
+                      </a:r>
+                    </a:p>
+                  </a:txBody>
+                  <a:tcPr/>
+                </a:tc>
+                <a:extLst>
+                  <a:ext uri="{0D108BD9-81ED-4DB2-BD59-A6C34878D82A}">
+                    <a16:rowId xmlns:a16="http://schemas.microsoft.com/office/drawing/2014/main" val="3571993138"/>
+                  </a:ext>
+                </a:extLst>
+              </a:tr>
+              <a:tr h="363301">
+                <a:tc>
+                  <a:txBody>
+                    <a:bodyPr/>
+                    <a:lstStyle/>
+                    <a:p>
+                      <a:pPr latinLnBrk="1"/>
+                      <a:r>
+                        <a:rPr lang="en-US" altLang="ko-KR" dirty="0"/>
+                        <a:t>AAA</a:t>
+                      </a:r>
+                      <a:r>
+                        <a:rPr lang="ko-KR" altLang="en-US" dirty="0"/>
+                        <a:t> 타이틀</a:t>
+                      </a:r>
+                      <a:endParaRPr lang="en-US" altLang="ko-KR" dirty="0"/>
+                    </a:p>
+                  </a:txBody>
+                  <a:tcPr/>
+                </a:tc>
+                <a:tc>
+                  <a:txBody>
+                    <a:bodyPr/>
+                    <a:lstStyle/>
+                    <a:p>
+                      <a:pPr latinLnBrk="1"/>
+                      <a:r>
+                        <a:rPr lang="en-US" altLang="ko-KR" dirty="0"/>
+                        <a:t>10</a:t>
+                      </a:r>
+                      <a:r>
+                        <a:rPr lang="ko-KR" altLang="en-US" dirty="0"/>
+                        <a:t>만유로 </a:t>
+                      </a:r>
+                      <a:r>
+                        <a:rPr lang="en-US" altLang="ko-KR" dirty="0"/>
+                        <a:t>(13,000</a:t>
+                      </a:r>
+                      <a:r>
+                        <a:rPr lang="ko-KR" altLang="en-US" dirty="0"/>
+                        <a:t>만원</a:t>
+                      </a:r>
+                      <a:r>
+                        <a:rPr lang="en-US" altLang="ko-KR" dirty="0"/>
+                        <a:t>)</a:t>
+                      </a:r>
+                      <a:endParaRPr lang="ko-KR" altLang="en-US" dirty="0"/>
+                    </a:p>
+                  </a:txBody>
+                  <a:tcPr/>
+                </a:tc>
+                <a:extLst>
+                  <a:ext uri="{0D108BD9-81ED-4DB2-BD59-A6C34878D82A}">
+                    <a16:rowId xmlns:a16="http://schemas.microsoft.com/office/drawing/2014/main" val="563918020"/>
+                  </a:ext>
+                </a:extLst>
+              </a:tr>
+              <a:tr h="363301">
+                <a:tc>
+                  <a:txBody>
+                    <a:bodyPr/>
+                    <a:lstStyle/>
+                    <a:p>
+                      <a:pPr latinLnBrk="1"/>
+                      <a:r>
+                        <a:rPr lang="en-US" altLang="ko-KR" dirty="0"/>
+                        <a:t>AA</a:t>
+                      </a:r>
+                      <a:r>
+                        <a:rPr lang="ko-KR" altLang="en-US" dirty="0"/>
+                        <a:t> 타이틀</a:t>
+                      </a:r>
+                      <a:endParaRPr lang="en-US" altLang="ko-KR" dirty="0"/>
+                    </a:p>
+                  </a:txBody>
+                  <a:tcPr/>
+                </a:tc>
+                <a:tc>
+                  <a:txBody>
+                    <a:bodyPr/>
+                    <a:lstStyle/>
+                    <a:p>
+                      <a:pPr latinLnBrk="1"/>
+                      <a:r>
+                        <a:rPr lang="en-US" altLang="ko-KR" dirty="0"/>
+                        <a:t>5</a:t>
+                      </a:r>
+                      <a:r>
+                        <a:rPr lang="ko-KR" altLang="en-US" dirty="0"/>
+                        <a:t>만유로</a:t>
+                      </a:r>
+                      <a:r>
+                        <a:rPr lang="en-US" altLang="ko-KR" dirty="0"/>
+                        <a:t>(6,500</a:t>
+                      </a:r>
+                      <a:r>
+                        <a:rPr lang="ko-KR" altLang="en-US" dirty="0"/>
+                        <a:t>만원</a:t>
+                      </a:r>
+                      <a:r>
+                        <a:rPr lang="en-US" altLang="ko-KR" dirty="0"/>
+                        <a:t>)</a:t>
+                      </a:r>
+                      <a:endParaRPr lang="ko-KR" altLang="en-US" dirty="0"/>
+                    </a:p>
+                  </a:txBody>
+                  <a:tcPr/>
+                </a:tc>
+                <a:extLst>
+                  <a:ext uri="{0D108BD9-81ED-4DB2-BD59-A6C34878D82A}">
+                    <a16:rowId xmlns:a16="http://schemas.microsoft.com/office/drawing/2014/main" val="303822596"/>
+                  </a:ext>
+                </a:extLst>
+              </a:tr>
+              <a:tr h="363301">
+                <a:tc>
+                  <a:txBody>
+                    <a:bodyPr/>
+                    <a:lstStyle/>
+                    <a:p>
+                      <a:pPr latinLnBrk="1"/>
+                      <a:r>
+                        <a:rPr lang="ko-KR" altLang="en-US" dirty="0" err="1"/>
+                        <a:t>인디</a:t>
+                      </a:r>
+                      <a:endParaRPr lang="en-US" altLang="ko-KR" dirty="0"/>
+                    </a:p>
+                  </a:txBody>
+                  <a:tcPr/>
+                </a:tc>
+                <a:tc>
+                  <a:txBody>
+                    <a:bodyPr/>
+                    <a:lstStyle/>
+                    <a:p>
+                      <a:pPr latinLnBrk="1"/>
+                      <a:r>
+                        <a:rPr lang="en-US" altLang="ko-KR" dirty="0"/>
+                        <a:t>1</a:t>
+                      </a:r>
+                      <a:r>
+                        <a:rPr lang="ko-KR" altLang="en-US" dirty="0"/>
+                        <a:t>만유로</a:t>
+                      </a:r>
+                      <a:r>
+                        <a:rPr lang="en-US" altLang="ko-KR" dirty="0"/>
+                        <a:t>(1,300</a:t>
+                      </a:r>
+                      <a:r>
+                        <a:rPr lang="ko-KR" altLang="en-US" dirty="0"/>
+                        <a:t>만원</a:t>
+                      </a:r>
+                      <a:r>
+                        <a:rPr lang="en-US" altLang="ko-KR" dirty="0"/>
+                        <a:t>)</a:t>
+                      </a:r>
+                      <a:endParaRPr lang="ko-KR" altLang="en-US" dirty="0"/>
+                    </a:p>
+                  </a:txBody>
+                  <a:tcPr/>
+                </a:tc>
+                <a:extLst>
+                  <a:ext uri="{0D108BD9-81ED-4DB2-BD59-A6C34878D82A}">
+                    <a16:rowId xmlns:a16="http://schemas.microsoft.com/office/drawing/2014/main" val="1174101551"/>
+                  </a:ext>
+                </a:extLst>
+              </a:tr>
+              <a:tr h="363301">
+                <a:tc>
+                  <a:txBody>
+                    <a:bodyPr/>
+                    <a:lstStyle/>
+                    <a:p>
+                      <a:pPr latinLnBrk="1"/>
+                      <a:r>
+                        <a:rPr lang="ko-KR" altLang="en-US" dirty="0"/>
+                        <a:t>패키지당 설치</a:t>
+                      </a:r>
+                      <a:endParaRPr lang="en-US" altLang="ko-KR" dirty="0"/>
+                    </a:p>
+                  </a:txBody>
+                  <a:tcPr/>
+                </a:tc>
+                <a:tc>
+                  <a:txBody>
+                    <a:bodyPr/>
+                    <a:lstStyle/>
+                    <a:p>
+                      <a:pPr latinLnBrk="1"/>
+                      <a:r>
+                        <a:rPr lang="en-US" altLang="ko-KR" dirty="0"/>
+                        <a:t>2500</a:t>
+                      </a:r>
+                      <a:r>
+                        <a:rPr lang="ko-KR" altLang="en-US" dirty="0"/>
+                        <a:t>유로</a:t>
+                      </a:r>
+                      <a:r>
+                        <a:rPr lang="en-US" altLang="ko-KR" dirty="0"/>
+                        <a:t>(330</a:t>
+                      </a:r>
+                      <a:r>
+                        <a:rPr lang="ko-KR" altLang="en-US" dirty="0"/>
+                        <a:t>만원</a:t>
+                      </a:r>
+                      <a:r>
+                        <a:rPr lang="en-US" altLang="ko-KR" dirty="0"/>
+                        <a:t>)</a:t>
+                      </a:r>
+                      <a:endParaRPr lang="ko-KR" altLang="en-US" dirty="0"/>
+                    </a:p>
+                  </a:txBody>
+                  <a:tcPr/>
+                </a:tc>
+                <a:extLst>
+                  <a:ext uri="{0D108BD9-81ED-4DB2-BD59-A6C34878D82A}">
+                    <a16:rowId xmlns:a16="http://schemas.microsoft.com/office/drawing/2014/main" val="2838071964"/>
+                  </a:ext>
+                </a:extLst>
+              </a:tr>
+            </a:tbl>
+          </a:graphicData>
+        </a:graphic>
+      </p:graphicFrame>
+      <p:cxnSp>
+        <p:nvCxnSpPr>
+          <p:cNvPr id="12" name="직선 연결선 11">
+            <a:extLst>
+              <a:ext uri="{FF2B5EF4-FFF2-40B4-BE49-F238E27FC236}">
+                <a16:creationId xmlns:a16="http://schemas.microsoft.com/office/drawing/2014/main" id="{435FE5EE-433B-4419-A97A-90FBDD60B8C1}"/>
+              </a:ext>
+            </a:extLst>
+          </p:cNvPr>
+          <p:cNvCxnSpPr/>
+          <p:nvPr/>
+        </p:nvCxnSpPr>
+        <p:spPr>
+          <a:xfrm>
+            <a:off x="470286" y="2313210"/>
+            <a:ext cx="5558883" cy="0"/>
+          </a:xfrm>
+          <a:prstGeom prst="line">
+            <a:avLst/>
+          </a:prstGeom>
+          <a:ln w="254000"/>
+        </p:spPr>
+        <p:style>
+          <a:lnRef idx="1">
+            <a:schemeClr val="accent1"/>
+          </a:lnRef>
+          <a:fillRef idx="0">
+            <a:schemeClr val="accent1"/>
+          </a:fillRef>
+          <a:effectRef idx="0">
+            <a:schemeClr val="accent1"/>
+          </a:effectRef>
+          <a:fontRef idx="minor">
+            <a:schemeClr val="tx1"/>
+          </a:fontRef>
+        </p:style>
+      </p:cxnSp>
+    </p:spTree>
+    <p:extLst>
+      <p:ext uri="{BB962C8B-B14F-4D97-AF65-F5344CB8AC3E}">
+        <p14:creationId xmlns:p14="http://schemas.microsoft.com/office/powerpoint/2010/main" val="3923765490"/>
+      </p:ext>
+    </p:extLst>
+  </p:cSld>
+  <p:clrMapOvr>
+    <a:masterClrMapping/>
+  </p:clrMapOvr>
+  <mc:AlternateContent xmlns:mc="http://schemas.openxmlformats.org/markup-compatibility/2006" xmlns:p14="http://schemas.microsoft.com/office/powerpoint/2010/main">
+    <mc:Choice Requires="p14">
+      <p:transition spd="med" p14:dur="700">
+        <p:fade/>
+      </p:transition>
+    </mc:Choice>
+    <mc:Fallback xmlns="" xmlns:c="http://schemas.openxmlformats.org/drawingml/2006/chart" xmlns:dgm="http://schemas.openxmlformats.org/drawingml/2006/diagram" xmlns:dsp="http://schemas.microsoft.com/office/drawing/2008/diagram">
       <p:transition xmlns:mc="http://schemas.openxmlformats.org/markup-compatibility/2006" xmlns:hp="http://schemas.haansoft.com/office/presentation/8.0" mc:Ignorable="hp" hp:hslDur="700">
         <p:fade/>
       </p:transition>
